--- a/(Advanced) Multimedia Information Processing and Communications/(A)MIPaC Introduction.pptx
+++ b/(Advanced) Multimedia Information Processing and Communications/(A)MIPaC Introduction.pptx
@@ -797,6 +797,70 @@
               </a:spcAft>
               <a:buNone/>
             </a:pPr>
+            <a:r>
+              <a:rPr lang="en-PL" dirty="0"/>
+              <a:t>3.0: 0,408163265306122</a:t>
+            </a:r>
+          </a:p>
+          <a:p>
+            <a:pPr marL="0" lvl="0" indent="0" algn="l" rtl="0">
+              <a:spcBef>
+                <a:spcPts val="0"/>
+              </a:spcBef>
+              <a:spcAft>
+                <a:spcPts val="0"/>
+              </a:spcAft>
+              <a:buNone/>
+            </a:pPr>
+            <a:r>
+              <a:rPr lang="en-PL" dirty="0"/>
+              <a:t>3.5: 0,489795918367347</a:t>
+            </a:r>
+          </a:p>
+          <a:p>
+            <a:pPr marL="0" lvl="0" indent="0" algn="l" rtl="0">
+              <a:spcBef>
+                <a:spcPts val="0"/>
+              </a:spcBef>
+              <a:spcAft>
+                <a:spcPts val="0"/>
+              </a:spcAft>
+              <a:buNone/>
+            </a:pPr>
+            <a:r>
+              <a:rPr lang="en-PL" dirty="0"/>
+              <a:t>4.0: 0,571428571428571</a:t>
+            </a:r>
+          </a:p>
+          <a:p>
+            <a:pPr marL="0" lvl="0" indent="0" algn="l" rtl="0">
+              <a:spcBef>
+                <a:spcPts val="0"/>
+              </a:spcBef>
+              <a:spcAft>
+                <a:spcPts val="0"/>
+              </a:spcAft>
+              <a:buNone/>
+            </a:pPr>
+            <a:r>
+              <a:rPr lang="en-PL" dirty="0"/>
+              <a:t>4.5: 0,653061224489796</a:t>
+            </a:r>
+          </a:p>
+          <a:p>
+            <a:pPr marL="0" lvl="0" indent="0" algn="l" rtl="0">
+              <a:spcBef>
+                <a:spcPts val="0"/>
+              </a:spcBef>
+              <a:spcAft>
+                <a:spcPts val="0"/>
+              </a:spcAft>
+              <a:buNone/>
+            </a:pPr>
+            <a:r>
+              <a:rPr lang="en-PL"/>
+              <a:t>5.0: 0,73469387755102</a:t>
+            </a:r>
             <a:endParaRPr/>
           </a:p>
         </p:txBody>

--- a/(Advanced) Multimedia Information Processing and Communications/(A)MIPaC Introduction.pptx
+++ b/(Advanced) Multimedia Information Processing and Communications/(A)MIPaC Introduction.pptx
@@ -18,18 +18,18 @@
     <p:sldId id="261" r:id="rId9"/>
     <p:sldId id="262" r:id="rId10"/>
     <p:sldId id="263" r:id="rId11"/>
-    <p:sldId id="264" r:id="rId12"/>
-    <p:sldId id="265" r:id="rId13"/>
-    <p:sldId id="266" r:id="rId14"/>
-    <p:sldId id="267" r:id="rId15"/>
-    <p:sldId id="268" r:id="rId16"/>
-    <p:sldId id="269" r:id="rId17"/>
-    <p:sldId id="270" r:id="rId18"/>
-    <p:sldId id="276" r:id="rId19"/>
-    <p:sldId id="274" r:id="rId20"/>
-    <p:sldId id="275" r:id="rId21"/>
-    <p:sldId id="271" r:id="rId22"/>
-    <p:sldId id="272" r:id="rId23"/>
+    <p:sldId id="265" r:id="rId12"/>
+    <p:sldId id="266" r:id="rId13"/>
+    <p:sldId id="267" r:id="rId14"/>
+    <p:sldId id="268" r:id="rId15"/>
+    <p:sldId id="269" r:id="rId16"/>
+    <p:sldId id="270" r:id="rId17"/>
+    <p:sldId id="276" r:id="rId18"/>
+    <p:sldId id="274" r:id="rId19"/>
+    <p:sldId id="275" r:id="rId20"/>
+    <p:sldId id="271" r:id="rId21"/>
+    <p:sldId id="272" r:id="rId22"/>
+    <p:sldId id="264" r:id="rId23"/>
   </p:sldIdLst>
   <p:sldSz cx="10680700" cy="7556500"/>
   <p:notesSz cx="6858000" cy="9144000"/>
@@ -919,110 +919,6 @@
   <p:cSld>
     <p:spTree>
       <p:nvGrpSpPr>
-        <p:cNvPr id="1" name="Shape 211"/>
-        <p:cNvGrpSpPr/>
-        <p:nvPr/>
-      </p:nvGrpSpPr>
-      <p:grpSpPr>
-        <a:xfrm>
-          <a:off x="0" y="0"/>
-          <a:ext cx="0" cy="0"/>
-          <a:chOff x="0" y="0"/>
-          <a:chExt cx="0" cy="0"/>
-        </a:xfrm>
-      </p:grpSpPr>
-      <p:sp>
-        <p:nvSpPr>
-          <p:cNvPr id="212" name="Google Shape;212;g43a0576814_1_93:notes"/>
-          <p:cNvSpPr>
-            <a:spLocks noGrp="1" noRot="1" noChangeAspect="1"/>
-          </p:cNvSpPr>
-          <p:nvPr>
-            <p:ph type="sldImg" idx="2"/>
-          </p:nvPr>
-        </p:nvSpPr>
-        <p:spPr>
-          <a:xfrm>
-            <a:off x="1006475" y="685800"/>
-            <a:ext cx="4845050" cy="3429000"/>
-          </a:xfrm>
-          <a:custGeom>
-            <a:avLst/>
-            <a:gdLst/>
-            <a:ahLst/>
-            <a:cxnLst/>
-            <a:rect l="l" t="t" r="r" b="b"/>
-            <a:pathLst>
-              <a:path w="120000" h="120000" extrusionOk="0">
-                <a:moveTo>
-                  <a:pt x="0" y="0"/>
-                </a:moveTo>
-                <a:lnTo>
-                  <a:pt x="120000" y="0"/>
-                </a:lnTo>
-                <a:lnTo>
-                  <a:pt x="120000" y="120000"/>
-                </a:lnTo>
-                <a:lnTo>
-                  <a:pt x="0" y="120000"/>
-                </a:lnTo>
-                <a:close/>
-              </a:path>
-            </a:pathLst>
-          </a:custGeom>
-        </p:spPr>
-      </p:sp>
-      <p:sp>
-        <p:nvSpPr>
-          <p:cNvPr id="213" name="Google Shape;213;g43a0576814_1_93:notes"/>
-          <p:cNvSpPr txBox="1">
-            <a:spLocks noGrp="1"/>
-          </p:cNvSpPr>
-          <p:nvPr>
-            <p:ph type="body" idx="1"/>
-          </p:nvPr>
-        </p:nvSpPr>
-        <p:spPr>
-          <a:xfrm>
-            <a:off x="914400" y="4343400"/>
-            <a:ext cx="5029200" cy="4114800"/>
-          </a:xfrm>
-          <a:prstGeom prst="rect">
-            <a:avLst/>
-          </a:prstGeom>
-        </p:spPr>
-        <p:txBody>
-          <a:bodyPr spcFirstLastPara="1" wrap="square" lIns="91425" tIns="45700" rIns="91425" bIns="45700" anchor="t" anchorCtr="0">
-            <a:noAutofit/>
-          </a:bodyPr>
-          <a:lstStyle/>
-          <a:p>
-            <a:pPr marL="0" lvl="0" indent="0" algn="l" rtl="0">
-              <a:spcBef>
-                <a:spcPts val="0"/>
-              </a:spcBef>
-              <a:spcAft>
-                <a:spcPts val="0"/>
-              </a:spcAft>
-              <a:buNone/>
-            </a:pPr>
-            <a:endParaRPr/>
-          </a:p>
-        </p:txBody>
-      </p:sp>
-    </p:spTree>
-  </p:cSld>
-  <p:clrMapOvr>
-    <a:masterClrMapping/>
-  </p:clrMapOvr>
-</p:notes>
-</file>
-
-<file path=ppt/notesSlides/notesSlide11.xml><?xml version="1.0" encoding="utf-8"?>
-<p:notes xmlns:a="http://schemas.openxmlformats.org/drawingml/2006/main" xmlns:r="http://schemas.openxmlformats.org/officeDocument/2006/relationships" xmlns:p="http://schemas.openxmlformats.org/presentationml/2006/main" showMasterSp="0" showMasterPhAnim="0">
-  <p:cSld>
-    <p:spTree>
-      <p:nvGrpSpPr>
         <p:cNvPr id="1" name="Shape 217"/>
         <p:cNvGrpSpPr/>
         <p:nvPr/>
@@ -1122,7 +1018,7 @@
 </p:notes>
 </file>
 
-<file path=ppt/notesSlides/notesSlide12.xml><?xml version="1.0" encoding="utf-8"?>
+<file path=ppt/notesSlides/notesSlide11.xml><?xml version="1.0" encoding="utf-8"?>
 <p:notes xmlns:a="http://schemas.openxmlformats.org/drawingml/2006/main" xmlns:r="http://schemas.openxmlformats.org/officeDocument/2006/relationships" xmlns:p="http://schemas.openxmlformats.org/presentationml/2006/main" showMasterSp="0" showMasterPhAnim="0">
   <p:cSld>
     <p:spTree>
@@ -1226,7 +1122,7 @@
 </p:notes>
 </file>
 
-<file path=ppt/notesSlides/notesSlide13.xml><?xml version="1.0" encoding="utf-8"?>
+<file path=ppt/notesSlides/notesSlide12.xml><?xml version="1.0" encoding="utf-8"?>
 <p:notes xmlns:a="http://schemas.openxmlformats.org/drawingml/2006/main" xmlns:r="http://schemas.openxmlformats.org/officeDocument/2006/relationships" xmlns:p="http://schemas.openxmlformats.org/presentationml/2006/main" showMasterSp="0" showMasterPhAnim="0">
   <p:cSld>
     <p:spTree>
@@ -1330,7 +1226,7 @@
 </p:notes>
 </file>
 
-<file path=ppt/notesSlides/notesSlide14.xml><?xml version="1.0" encoding="utf-8"?>
+<file path=ppt/notesSlides/notesSlide13.xml><?xml version="1.0" encoding="utf-8"?>
 <p:notes xmlns:a="http://schemas.openxmlformats.org/drawingml/2006/main" xmlns:r="http://schemas.openxmlformats.org/officeDocument/2006/relationships" xmlns:p="http://schemas.openxmlformats.org/presentationml/2006/main" showMasterSp="0" showMasterPhAnim="0">
   <p:cSld>
     <p:spTree>
@@ -1423,10 +1319,18 @@
               <a:buNone/>
             </a:pPr>
             <a:r>
-              <a:rPr lang="en-US"/>
-              <a:t>40/80 -&gt; MIPaC/AMIPaC points</a:t>
+              <a:rPr lang="en-US" dirty="0"/>
+              <a:t>40/80 -&gt; MIPaC/</a:t>
             </a:r>
-            <a:endParaRPr/>
+            <a:r>
+              <a:rPr lang="en-US" dirty="0" err="1"/>
+              <a:t>AMIPaC</a:t>
+            </a:r>
+            <a:r>
+              <a:rPr lang="en-US" dirty="0"/>
+              <a:t> points</a:t>
+            </a:r>
+            <a:endParaRPr dirty="0"/>
           </a:p>
           <a:p>
             <a:pPr marL="0" lvl="0" indent="0" algn="l" rtl="0">
@@ -1438,7 +1342,7 @@
               </a:spcAft>
               <a:buNone/>
             </a:pPr>
-            <a:endParaRPr/>
+            <a:endParaRPr dirty="0"/>
           </a:p>
           <a:p>
             <a:pPr marL="0" lvl="0" indent="0" algn="l" rtl="0">
@@ -1451,10 +1355,10 @@
               <a:buNone/>
             </a:pPr>
             <a:r>
-              <a:rPr lang="en-US"/>
+              <a:rPr lang="en-US" dirty="0"/>
               <a:t>Notice the total number of points exceed the amount required to have 5.0.</a:t>
             </a:r>
-            <a:endParaRPr/>
+            <a:endParaRPr dirty="0"/>
           </a:p>
         </p:txBody>
       </p:sp>
@@ -1466,7 +1370,7 @@
 </p:notes>
 </file>
 
-<file path=ppt/notesSlides/notesSlide15.xml><?xml version="1.0" encoding="utf-8"?>
+<file path=ppt/notesSlides/notesSlide14.xml><?xml version="1.0" encoding="utf-8"?>
 <p:notes xmlns:a="http://schemas.openxmlformats.org/drawingml/2006/main" xmlns:r="http://schemas.openxmlformats.org/officeDocument/2006/relationships" xmlns:p="http://schemas.openxmlformats.org/presentationml/2006/main" showMasterSp="0" showMasterPhAnim="0">
   <p:cSld>
     <p:spTree>
@@ -1560,15 +1464,7 @@
             </a:pPr>
             <a:r>
               <a:rPr lang="en-US" dirty="0"/>
-              <a:t>40/80 -&gt; </a:t>
-            </a:r>
-            <a:r>
-              <a:rPr lang="en-US" dirty="0" err="1"/>
-              <a:t>MIPaC</a:t>
-            </a:r>
-            <a:r>
-              <a:rPr lang="en-US" dirty="0"/>
-              <a:t>/</a:t>
+              <a:t>40/80 -&gt; MIPaC/</a:t>
             </a:r>
             <a:r>
               <a:rPr lang="en-US" dirty="0" err="1"/>
@@ -1638,7 +1534,7 @@
 </p:notes>
 </file>
 
-<file path=ppt/notesSlides/notesSlide16.xml><?xml version="1.0" encoding="utf-8"?>
+<file path=ppt/notesSlides/notesSlide15.xml><?xml version="1.0" encoding="utf-8"?>
 <p:notes xmlns:a="http://schemas.openxmlformats.org/drawingml/2006/main" xmlns:r="http://schemas.openxmlformats.org/officeDocument/2006/relationships" xmlns:p="http://schemas.openxmlformats.org/presentationml/2006/main" showMasterSp="0" showMasterPhAnim="0">
   <p:cSld>
     <p:spTree>
@@ -1738,6 +1634,115 @@
     <p:extLst>
       <p:ext uri="{BB962C8B-B14F-4D97-AF65-F5344CB8AC3E}">
         <p14:creationId xmlns:p14="http://schemas.microsoft.com/office/powerpoint/2010/main" val="971156018"/>
+      </p:ext>
+    </p:extLst>
+  </p:cSld>
+  <p:clrMapOvr>
+    <a:masterClrMapping/>
+  </p:clrMapOvr>
+</p:notes>
+</file>
+
+<file path=ppt/notesSlides/notesSlide16.xml><?xml version="1.0" encoding="utf-8"?>
+<p:notes xmlns:a="http://schemas.openxmlformats.org/drawingml/2006/main" xmlns:r="http://schemas.openxmlformats.org/officeDocument/2006/relationships" xmlns:p="http://schemas.openxmlformats.org/presentationml/2006/main" showMasterSp="0" showMasterPhAnim="0">
+  <p:cSld>
+    <p:spTree>
+      <p:nvGrpSpPr>
+        <p:cNvPr id="1" name="Shape 211"/>
+        <p:cNvGrpSpPr/>
+        <p:nvPr/>
+      </p:nvGrpSpPr>
+      <p:grpSpPr>
+        <a:xfrm>
+          <a:off x="0" y="0"/>
+          <a:ext cx="0" cy="0"/>
+          <a:chOff x="0" y="0"/>
+          <a:chExt cx="0" cy="0"/>
+        </a:xfrm>
+      </p:grpSpPr>
+      <p:sp>
+        <p:nvSpPr>
+          <p:cNvPr id="212" name="Google Shape;212;g43a0576814_1_93:notes"/>
+          <p:cNvSpPr>
+            <a:spLocks noGrp="1" noRot="1" noChangeAspect="1"/>
+          </p:cNvSpPr>
+          <p:nvPr>
+            <p:ph type="sldImg" idx="2"/>
+          </p:nvPr>
+        </p:nvSpPr>
+        <p:spPr>
+          <a:xfrm>
+            <a:off x="1006475" y="685800"/>
+            <a:ext cx="4845050" cy="3429000"/>
+          </a:xfrm>
+          <a:custGeom>
+            <a:avLst/>
+            <a:gdLst/>
+            <a:ahLst/>
+            <a:cxnLst/>
+            <a:rect l="l" t="t" r="r" b="b"/>
+            <a:pathLst>
+              <a:path w="120000" h="120000" extrusionOk="0">
+                <a:moveTo>
+                  <a:pt x="0" y="0"/>
+                </a:moveTo>
+                <a:lnTo>
+                  <a:pt x="120000" y="0"/>
+                </a:lnTo>
+                <a:lnTo>
+                  <a:pt x="120000" y="120000"/>
+                </a:lnTo>
+                <a:lnTo>
+                  <a:pt x="0" y="120000"/>
+                </a:lnTo>
+                <a:close/>
+              </a:path>
+            </a:pathLst>
+          </a:custGeom>
+        </p:spPr>
+      </p:sp>
+      <p:sp>
+        <p:nvSpPr>
+          <p:cNvPr id="213" name="Google Shape;213;g43a0576814_1_93:notes"/>
+          <p:cNvSpPr txBox="1">
+            <a:spLocks noGrp="1"/>
+          </p:cNvSpPr>
+          <p:nvPr>
+            <p:ph type="body" idx="1"/>
+          </p:nvPr>
+        </p:nvSpPr>
+        <p:spPr>
+          <a:xfrm>
+            <a:off x="914400" y="4343400"/>
+            <a:ext cx="5029200" cy="4114800"/>
+          </a:xfrm>
+          <a:prstGeom prst="rect">
+            <a:avLst/>
+          </a:prstGeom>
+        </p:spPr>
+        <p:txBody>
+          <a:bodyPr spcFirstLastPara="1" wrap="square" lIns="91425" tIns="45700" rIns="91425" bIns="45700" anchor="t" anchorCtr="0">
+            <a:noAutofit/>
+          </a:bodyPr>
+          <a:lstStyle/>
+          <a:p>
+            <a:pPr marL="0" lvl="0" indent="0" algn="l" rtl="0">
+              <a:spcBef>
+                <a:spcPts val="0"/>
+              </a:spcBef>
+              <a:spcAft>
+                <a:spcPts val="0"/>
+              </a:spcAft>
+              <a:buNone/>
+            </a:pPr>
+            <a:endParaRPr/>
+          </a:p>
+        </p:txBody>
+      </p:sp>
+    </p:spTree>
+    <p:extLst>
+      <p:ext uri="{BB962C8B-B14F-4D97-AF65-F5344CB8AC3E}">
+        <p14:creationId xmlns:p14="http://schemas.microsoft.com/office/powerpoint/2010/main" val="445853899"/>
       </p:ext>
     </p:extLst>
   </p:cSld>
@@ -1846,7 +1851,7 @@
     </p:spTree>
     <p:extLst>
       <p:ext uri="{BB962C8B-B14F-4D97-AF65-F5344CB8AC3E}">
-        <p14:creationId xmlns:p14="http://schemas.microsoft.com/office/powerpoint/2010/main" val="445853899"/>
+        <p14:creationId xmlns:p14="http://schemas.microsoft.com/office/powerpoint/2010/main" val="1721064536"/>
       </p:ext>
     </p:extLst>
   </p:cSld>
@@ -1857,115 +1862,6 @@
 </file>
 
 <file path=ppt/notesSlides/notesSlide18.xml><?xml version="1.0" encoding="utf-8"?>
-<p:notes xmlns:a="http://schemas.openxmlformats.org/drawingml/2006/main" xmlns:r="http://schemas.openxmlformats.org/officeDocument/2006/relationships" xmlns:p="http://schemas.openxmlformats.org/presentationml/2006/main" showMasterSp="0" showMasterPhAnim="0">
-  <p:cSld>
-    <p:spTree>
-      <p:nvGrpSpPr>
-        <p:cNvPr id="1" name="Shape 211"/>
-        <p:cNvGrpSpPr/>
-        <p:nvPr/>
-      </p:nvGrpSpPr>
-      <p:grpSpPr>
-        <a:xfrm>
-          <a:off x="0" y="0"/>
-          <a:ext cx="0" cy="0"/>
-          <a:chOff x="0" y="0"/>
-          <a:chExt cx="0" cy="0"/>
-        </a:xfrm>
-      </p:grpSpPr>
-      <p:sp>
-        <p:nvSpPr>
-          <p:cNvPr id="212" name="Google Shape;212;g43a0576814_1_93:notes"/>
-          <p:cNvSpPr>
-            <a:spLocks noGrp="1" noRot="1" noChangeAspect="1"/>
-          </p:cNvSpPr>
-          <p:nvPr>
-            <p:ph type="sldImg" idx="2"/>
-          </p:nvPr>
-        </p:nvSpPr>
-        <p:spPr>
-          <a:xfrm>
-            <a:off x="1006475" y="685800"/>
-            <a:ext cx="4845050" cy="3429000"/>
-          </a:xfrm>
-          <a:custGeom>
-            <a:avLst/>
-            <a:gdLst/>
-            <a:ahLst/>
-            <a:cxnLst/>
-            <a:rect l="l" t="t" r="r" b="b"/>
-            <a:pathLst>
-              <a:path w="120000" h="120000" extrusionOk="0">
-                <a:moveTo>
-                  <a:pt x="0" y="0"/>
-                </a:moveTo>
-                <a:lnTo>
-                  <a:pt x="120000" y="0"/>
-                </a:lnTo>
-                <a:lnTo>
-                  <a:pt x="120000" y="120000"/>
-                </a:lnTo>
-                <a:lnTo>
-                  <a:pt x="0" y="120000"/>
-                </a:lnTo>
-                <a:close/>
-              </a:path>
-            </a:pathLst>
-          </a:custGeom>
-        </p:spPr>
-      </p:sp>
-      <p:sp>
-        <p:nvSpPr>
-          <p:cNvPr id="213" name="Google Shape;213;g43a0576814_1_93:notes"/>
-          <p:cNvSpPr txBox="1">
-            <a:spLocks noGrp="1"/>
-          </p:cNvSpPr>
-          <p:nvPr>
-            <p:ph type="body" idx="1"/>
-          </p:nvPr>
-        </p:nvSpPr>
-        <p:spPr>
-          <a:xfrm>
-            <a:off x="914400" y="4343400"/>
-            <a:ext cx="5029200" cy="4114800"/>
-          </a:xfrm>
-          <a:prstGeom prst="rect">
-            <a:avLst/>
-          </a:prstGeom>
-        </p:spPr>
-        <p:txBody>
-          <a:bodyPr spcFirstLastPara="1" wrap="square" lIns="91425" tIns="45700" rIns="91425" bIns="45700" anchor="t" anchorCtr="0">
-            <a:noAutofit/>
-          </a:bodyPr>
-          <a:lstStyle/>
-          <a:p>
-            <a:pPr marL="0" lvl="0" indent="0" algn="l" rtl="0">
-              <a:spcBef>
-                <a:spcPts val="0"/>
-              </a:spcBef>
-              <a:spcAft>
-                <a:spcPts val="0"/>
-              </a:spcAft>
-              <a:buNone/>
-            </a:pPr>
-            <a:endParaRPr/>
-          </a:p>
-        </p:txBody>
-      </p:sp>
-    </p:spTree>
-    <p:extLst>
-      <p:ext uri="{BB962C8B-B14F-4D97-AF65-F5344CB8AC3E}">
-        <p14:creationId xmlns:p14="http://schemas.microsoft.com/office/powerpoint/2010/main" val="1721064536"/>
-      </p:ext>
-    </p:extLst>
-  </p:cSld>
-  <p:clrMapOvr>
-    <a:masterClrMapping/>
-  </p:clrMapOvr>
-</p:notes>
-</file>
-
-<file path=ppt/notesSlides/notesSlide19.xml><?xml version="1.0" encoding="utf-8"?>
 <p:notes xmlns:a="http://schemas.openxmlformats.org/drawingml/2006/main" xmlns:r="http://schemas.openxmlformats.org/officeDocument/2006/relationships" xmlns:p="http://schemas.openxmlformats.org/presentationml/2006/main" showMasterSp="0" showMasterPhAnim="0">
   <p:cSld>
     <p:spTree>
@@ -2044,6 +1940,114 @@
         </p:spPr>
         <p:txBody>
           <a:bodyPr spcFirstLastPara="1" wrap="square" lIns="91425" tIns="45700" rIns="91425" bIns="45700" anchor="t" anchorCtr="0">
+            <a:noAutofit/>
+          </a:bodyPr>
+          <a:lstStyle/>
+          <a:p>
+            <a:pPr marL="0" lvl="0" indent="0" algn="l" rtl="0">
+              <a:spcBef>
+                <a:spcPts val="0"/>
+              </a:spcBef>
+              <a:spcAft>
+                <a:spcPts val="0"/>
+              </a:spcAft>
+              <a:buNone/>
+            </a:pPr>
+            <a:endParaRPr/>
+          </a:p>
+        </p:txBody>
+      </p:sp>
+    </p:spTree>
+  </p:cSld>
+  <p:clrMapOvr>
+    <a:masterClrMapping/>
+  </p:clrMapOvr>
+</p:notes>
+</file>
+
+<file path=ppt/notesSlides/notesSlide19.xml><?xml version="1.0" encoding="utf-8"?>
+<p:notes xmlns:a="http://schemas.openxmlformats.org/drawingml/2006/main" xmlns:r="http://schemas.openxmlformats.org/officeDocument/2006/relationships" xmlns:p="http://schemas.openxmlformats.org/presentationml/2006/main" showMasterSp="0" showMasterPhAnim="0">
+  <p:cSld>
+    <p:spTree>
+      <p:nvGrpSpPr>
+        <p:cNvPr id="1" name="Shape 252"/>
+        <p:cNvGrpSpPr/>
+        <p:nvPr/>
+      </p:nvGrpSpPr>
+      <p:grpSpPr>
+        <a:xfrm>
+          <a:off x="0" y="0"/>
+          <a:ext cx="0" cy="0"/>
+          <a:chOff x="0" y="0"/>
+          <a:chExt cx="0" cy="0"/>
+        </a:xfrm>
+      </p:grpSpPr>
+      <p:sp>
+        <p:nvSpPr>
+          <p:cNvPr id="253" name="Google Shape;253;g445569fecf_0_0:notes"/>
+          <p:cNvSpPr>
+            <a:spLocks noGrp="1" noRot="1" noChangeAspect="1"/>
+          </p:cNvSpPr>
+          <p:nvPr>
+            <p:ph type="sldImg" idx="2"/>
+          </p:nvPr>
+        </p:nvSpPr>
+        <p:spPr>
+          <a:xfrm>
+            <a:off x="1006475" y="685800"/>
+            <a:ext cx="4845050" cy="3429000"/>
+          </a:xfrm>
+          <a:custGeom>
+            <a:avLst/>
+            <a:gdLst/>
+            <a:ahLst/>
+            <a:cxnLst/>
+            <a:rect l="l" t="t" r="r" b="b"/>
+            <a:pathLst>
+              <a:path w="120000" h="120000" extrusionOk="0">
+                <a:moveTo>
+                  <a:pt x="0" y="0"/>
+                </a:moveTo>
+                <a:lnTo>
+                  <a:pt x="120000" y="0"/>
+                </a:lnTo>
+                <a:lnTo>
+                  <a:pt x="120000" y="120000"/>
+                </a:lnTo>
+                <a:lnTo>
+                  <a:pt x="0" y="120000"/>
+                </a:lnTo>
+                <a:close/>
+              </a:path>
+            </a:pathLst>
+          </a:custGeom>
+        </p:spPr>
+      </p:sp>
+      <p:sp>
+        <p:nvSpPr>
+          <p:cNvPr id="254" name="Google Shape;254;g445569fecf_0_0:notes"/>
+          <p:cNvSpPr txBox="1">
+            <a:spLocks noGrp="1"/>
+          </p:cNvSpPr>
+          <p:nvPr>
+            <p:ph type="body" idx="1"/>
+          </p:nvPr>
+        </p:nvSpPr>
+        <p:spPr>
+          <a:xfrm>
+            <a:off x="914400" y="4343400"/>
+            <a:ext cx="5029200" cy="4114800"/>
+          </a:xfrm>
+          <a:prstGeom prst="rect">
+            <a:avLst/>
+          </a:prstGeom>
+          <a:noFill/>
+          <a:ln>
+            <a:noFill/>
+          </a:ln>
+        </p:spPr>
+        <p:txBody>
+          <a:bodyPr spcFirstLastPara="1" wrap="square" lIns="91425" tIns="91425" rIns="91425" bIns="91425" anchor="ctr" anchorCtr="0">
             <a:noAutofit/>
           </a:bodyPr>
           <a:lstStyle/>
@@ -2178,7 +2182,7 @@
   <p:cSld>
     <p:spTree>
       <p:nvGrpSpPr>
-        <p:cNvPr id="1" name="Shape 252"/>
+        <p:cNvPr id="1" name="Shape 205"/>
         <p:cNvGrpSpPr/>
         <p:nvPr/>
       </p:nvGrpSpPr>
@@ -2192,7 +2196,7 @@
       </p:grpSpPr>
       <p:sp>
         <p:nvSpPr>
-          <p:cNvPr id="253" name="Google Shape;253;g445569fecf_0_0:notes"/>
+          <p:cNvPr id="206" name="Google Shape;206;g9d962b619b_0_27:notes"/>
           <p:cNvSpPr>
             <a:spLocks noGrp="1" noRot="1" noChangeAspect="1"/>
           </p:cNvSpPr>
@@ -2233,7 +2237,7 @@
       </p:sp>
       <p:sp>
         <p:nvSpPr>
-          <p:cNvPr id="254" name="Google Shape;254;g445569fecf_0_0:notes"/>
+          <p:cNvPr id="207" name="Google Shape;207;g9d962b619b_0_27:notes"/>
           <p:cNvSpPr txBox="1">
             <a:spLocks noGrp="1"/>
           </p:cNvSpPr>
@@ -2249,13 +2253,9 @@
           <a:prstGeom prst="rect">
             <a:avLst/>
           </a:prstGeom>
-          <a:noFill/>
-          <a:ln>
-            <a:noFill/>
-          </a:ln>
         </p:spPr>
         <p:txBody>
-          <a:bodyPr spcFirstLastPara="1" wrap="square" lIns="91425" tIns="91425" rIns="91425" bIns="91425" anchor="ctr" anchorCtr="0">
+          <a:bodyPr spcFirstLastPara="1" wrap="square" lIns="91425" tIns="45700" rIns="91425" bIns="45700" anchor="t" anchorCtr="0">
             <a:noAutofit/>
           </a:bodyPr>
           <a:lstStyle/>
@@ -2269,7 +2269,15 @@
               </a:spcAft>
               <a:buNone/>
             </a:pPr>
-            <a:endParaRPr/>
+            <a:r>
+              <a:rPr lang="pl-PL" dirty="0"/>
+              <a:t>Show</a:t>
+            </a:r>
+            <a:r>
+              <a:rPr lang="en-GB" dirty="0"/>
+              <a:t> how to properly start conversations in MS Teams.</a:t>
+            </a:r>
+            <a:endParaRPr dirty="0"/>
           </a:p>
         </p:txBody>
       </p:sp>
@@ -2935,7 +2943,7 @@
   <p:cSld>
     <p:spTree>
       <p:nvGrpSpPr>
-        <p:cNvPr id="1" name="Shape 205"/>
+        <p:cNvPr id="1" name="Shape 211"/>
         <p:cNvGrpSpPr/>
         <p:nvPr/>
       </p:nvGrpSpPr>
@@ -2949,7 +2957,7 @@
       </p:grpSpPr>
       <p:sp>
         <p:nvSpPr>
-          <p:cNvPr id="206" name="Google Shape;206;g9d962b619b_0_27:notes"/>
+          <p:cNvPr id="212" name="Google Shape;212;g43a0576814_1_93:notes"/>
           <p:cNvSpPr>
             <a:spLocks noGrp="1" noRot="1" noChangeAspect="1"/>
           </p:cNvSpPr>
@@ -2990,7 +2998,7 @@
       </p:sp>
       <p:sp>
         <p:nvSpPr>
-          <p:cNvPr id="207" name="Google Shape;207;g9d962b619b_0_27:notes"/>
+          <p:cNvPr id="213" name="Google Shape;213;g43a0576814_1_93:notes"/>
           <p:cNvSpPr txBox="1">
             <a:spLocks noGrp="1"/>
           </p:cNvSpPr>
@@ -3022,15 +3030,7 @@
               </a:spcAft>
               <a:buNone/>
             </a:pPr>
-            <a:r>
-              <a:rPr lang="pl-PL" dirty="0"/>
-              <a:t>Show</a:t>
-            </a:r>
-            <a:r>
-              <a:rPr lang="en-GB" dirty="0"/>
-              <a:t> how to properly start conversations in MS Teams.</a:t>
-            </a:r>
-            <a:endParaRPr dirty="0"/>
+            <a:endParaRPr/>
           </a:p>
         </p:txBody>
       </p:sp>
@@ -33813,7 +33813,7 @@
         <p:spPr>
           <a:xfrm>
             <a:off x="1905000" y="3657600"/>
-            <a:ext cx="3995737" cy="579437"/>
+            <a:ext cx="8775600" cy="579437"/>
           </a:xfrm>
           <a:prstGeom prst="rect">
             <a:avLst/>
@@ -33847,10 +33847,10 @@
               <a:buNone/>
             </a:pPr>
             <a:r>
-              <a:rPr lang="en-US" sz="3200"/>
-              <a:t>Introduction to (A)MIPaC</a:t>
+              <a:rPr lang="en-US" sz="3200" dirty="0"/>
+              <a:t>Introduction to (Advanced) Multimedia Information Processing and Communications –  (A)MIPaC</a:t>
             </a:r>
-            <a:endParaRPr sz="3200"/>
+            <a:endParaRPr sz="3200" dirty="0"/>
           </a:p>
         </p:txBody>
       </p:sp>
@@ -33917,111 +33917,6 @@
 </file>
 
 <file path=ppt/slides/slide10.xml><?xml version="1.0" encoding="utf-8"?>
-<p:sld xmlns:a="http://schemas.openxmlformats.org/drawingml/2006/main" xmlns:r="http://schemas.openxmlformats.org/officeDocument/2006/relationships" xmlns:p="http://schemas.openxmlformats.org/presentationml/2006/main">
-  <p:cSld>
-    <p:spTree>
-      <p:nvGrpSpPr>
-        <p:cNvPr id="1" name="Shape 214"/>
-        <p:cNvGrpSpPr/>
-        <p:nvPr/>
-      </p:nvGrpSpPr>
-      <p:grpSpPr>
-        <a:xfrm>
-          <a:off x="0" y="0"/>
-          <a:ext cx="0" cy="0"/>
-          <a:chOff x="0" y="0"/>
-          <a:chExt cx="0" cy="0"/>
-        </a:xfrm>
-      </p:grpSpPr>
-      <p:sp>
-        <p:nvSpPr>
-          <p:cNvPr id="215" name="Google Shape;215;p46"/>
-          <p:cNvSpPr txBox="1">
-            <a:spLocks noGrp="1"/>
-          </p:cNvSpPr>
-          <p:nvPr>
-            <p:ph type="title"/>
-          </p:nvPr>
-        </p:nvSpPr>
-        <p:spPr>
-          <a:xfrm>
-            <a:off x="728663" y="1884363"/>
-            <a:ext cx="9212400" cy="3143100"/>
-          </a:xfrm>
-          <a:prstGeom prst="rect">
-            <a:avLst/>
-          </a:prstGeom>
-        </p:spPr>
-        <p:txBody>
-          <a:bodyPr spcFirstLastPara="1" wrap="square" lIns="52125" tIns="52125" rIns="52125" bIns="52125" anchor="b" anchorCtr="0">
-            <a:noAutofit/>
-          </a:bodyPr>
-          <a:lstStyle/>
-          <a:p>
-            <a:pPr marL="0" lvl="0" indent="0" algn="ctr" rtl="0">
-              <a:spcBef>
-                <a:spcPts val="0"/>
-              </a:spcBef>
-              <a:spcAft>
-                <a:spcPts val="0"/>
-              </a:spcAft>
-              <a:buNone/>
-            </a:pPr>
-            <a:r>
-              <a:rPr lang="en-US" dirty="0"/>
-              <a:t>Method of Calculating the Final Grade</a:t>
-            </a:r>
-            <a:endParaRPr dirty="0"/>
-          </a:p>
-        </p:txBody>
-      </p:sp>
-      <p:sp>
-        <p:nvSpPr>
-          <p:cNvPr id="216" name="Google Shape;216;p46"/>
-          <p:cNvSpPr txBox="1">
-            <a:spLocks noGrp="1"/>
-          </p:cNvSpPr>
-          <p:nvPr>
-            <p:ph type="body" idx="1"/>
-          </p:nvPr>
-        </p:nvSpPr>
-        <p:spPr>
-          <a:xfrm>
-            <a:off x="728663" y="5056188"/>
-            <a:ext cx="9212400" cy="1654200"/>
-          </a:xfrm>
-          <a:prstGeom prst="rect">
-            <a:avLst/>
-          </a:prstGeom>
-        </p:spPr>
-        <p:txBody>
-          <a:bodyPr spcFirstLastPara="1" wrap="square" lIns="52125" tIns="52125" rIns="52125" bIns="52125" anchor="t" anchorCtr="0">
-            <a:noAutofit/>
-          </a:bodyPr>
-          <a:lstStyle/>
-          <a:p>
-            <a:pPr marL="0" lvl="0" indent="0" algn="l" rtl="0">
-              <a:spcBef>
-                <a:spcPts val="800"/>
-              </a:spcBef>
-              <a:spcAft>
-                <a:spcPts val="0"/>
-              </a:spcAft>
-              <a:buNone/>
-            </a:pPr>
-            <a:endParaRPr/>
-          </a:p>
-        </p:txBody>
-      </p:sp>
-    </p:spTree>
-  </p:cSld>
-  <p:clrMapOvr>
-    <a:masterClrMapping/>
-  </p:clrMapOvr>
-</p:sld>
-</file>
-
-<file path=ppt/slides/slide11.xml><?xml version="1.0" encoding="utf-8"?>
 <p:sld xmlns:a="http://schemas.openxmlformats.org/drawingml/2006/main" xmlns:r="http://schemas.openxmlformats.org/officeDocument/2006/relationships" xmlns:p="http://schemas.openxmlformats.org/presentationml/2006/main">
   <p:cSld>
     <p:spTree>
@@ -34074,7 +33969,7 @@
 </p:sld>
 </file>
 
-<file path=ppt/slides/slide12.xml><?xml version="1.0" encoding="utf-8"?>
+<file path=ppt/slides/slide11.xml><?xml version="1.0" encoding="utf-8"?>
 <p:sld xmlns:a="http://schemas.openxmlformats.org/drawingml/2006/main" xmlns:r="http://schemas.openxmlformats.org/officeDocument/2006/relationships" xmlns:p="http://schemas.openxmlformats.org/presentationml/2006/main">
   <p:cSld>
     <p:spTree>
@@ -34218,7 +34113,7 @@
 </p:sld>
 </file>
 
-<file path=ppt/slides/slide13.xml><?xml version="1.0" encoding="utf-8"?>
+<file path=ppt/slides/slide12.xml><?xml version="1.0" encoding="utf-8"?>
 <p:sld xmlns:a="http://schemas.openxmlformats.org/drawingml/2006/main" xmlns:r="http://schemas.openxmlformats.org/officeDocument/2006/relationships" xmlns:p="http://schemas.openxmlformats.org/presentationml/2006/main">
   <p:cSld>
     <p:spTree>
@@ -34497,7 +34392,7 @@
 </p:sld>
 </file>
 
-<file path=ppt/slides/slide14.xml><?xml version="1.0" encoding="utf-8"?>
+<file path=ppt/slides/slide13.xml><?xml version="1.0" encoding="utf-8"?>
 <p:sld xmlns:a="http://schemas.openxmlformats.org/drawingml/2006/main" xmlns:r="http://schemas.openxmlformats.org/officeDocument/2006/relationships" xmlns:p="http://schemas.openxmlformats.org/presentationml/2006/main">
   <p:cSld>
     <p:spTree>
@@ -34557,15 +34452,7 @@
             </a:br>
             <a:r>
               <a:rPr lang="en-US" sz="3600" dirty="0"/>
-              <a:t>(</a:t>
-            </a:r>
-            <a:r>
-              <a:rPr lang="en-US" sz="3600" dirty="0" err="1"/>
-              <a:t>MIPaC</a:t>
-            </a:r>
-            <a:r>
-              <a:rPr lang="en-US" sz="3600" dirty="0"/>
-              <a:t>/</a:t>
+              <a:t>(MIPaC/</a:t>
             </a:r>
             <a:r>
               <a:rPr lang="en-US" sz="3600" dirty="0" err="1"/>
@@ -34948,7 +34835,7 @@
 </p:sld>
 </file>
 
-<file path=ppt/slides/slide15.xml><?xml version="1.0" encoding="utf-8"?>
+<file path=ppt/slides/slide14.xml><?xml version="1.0" encoding="utf-8"?>
 <p:sld xmlns:a="http://schemas.openxmlformats.org/drawingml/2006/main" xmlns:r="http://schemas.openxmlformats.org/officeDocument/2006/relationships" xmlns:p="http://schemas.openxmlformats.org/presentationml/2006/main">
   <p:cSld>
     <p:spTree>
@@ -35000,17 +34887,29 @@
               <a:buNone/>
             </a:pPr>
             <a:r>
-              <a:rPr lang="en-US" sz="3600"/>
-              <a:t>The Sigmas</a:t>
+              <a:rPr lang="en-US" sz="3600" dirty="0"/>
+              <a:t>The </a:t>
+            </a:r>
+            <a:r>
+              <a:rPr lang="en-US" sz="3600" dirty="0" err="1"/>
+              <a:t>Sigmas</a:t>
             </a:r>
             <a:br>
-              <a:rPr lang="en-US" sz="3600"/>
+              <a:rPr lang="en-US" sz="3600" dirty="0"/>
             </a:br>
             <a:r>
-              <a:rPr lang="en-US" sz="3600"/>
-              <a:t>(MIPaC/AMIPaC)</a:t>
+              <a:rPr lang="en-US" sz="3600" dirty="0"/>
+              <a:t>(MIPaC/</a:t>
             </a:r>
-            <a:endParaRPr sz="3600"/>
+            <a:r>
+              <a:rPr lang="en-US" sz="3600" dirty="0" err="1"/>
+              <a:t>AMIPaC</a:t>
+            </a:r>
+            <a:r>
+              <a:rPr lang="en-US" sz="3600" dirty="0"/>
+              <a:t>)</a:t>
+            </a:r>
+            <a:endParaRPr sz="3600" dirty="0"/>
           </a:p>
         </p:txBody>
       </p:sp>
@@ -35320,7 +35219,7 @@
 </p:sld>
 </file>
 
-<file path=ppt/slides/slide16.xml><?xml version="1.0" encoding="utf-8"?>
+<file path=ppt/slides/slide15.xml><?xml version="1.0" encoding="utf-8"?>
 <p:sld xmlns:a="http://schemas.openxmlformats.org/drawingml/2006/main" xmlns:r="http://schemas.openxmlformats.org/officeDocument/2006/relationships" xmlns:p="http://schemas.openxmlformats.org/presentationml/2006/main">
   <p:cSld>
     <p:spTree>
@@ -35597,7 +35496,7 @@
 </p:sld>
 </file>
 
-<file path=ppt/slides/slide17.xml><?xml version="1.0" encoding="utf-8"?>
+<file path=ppt/slides/slide16.xml><?xml version="1.0" encoding="utf-8"?>
 <p:sld xmlns:a="http://schemas.openxmlformats.org/drawingml/2006/main" xmlns:r="http://schemas.openxmlformats.org/officeDocument/2006/relationships" xmlns:p="http://schemas.openxmlformats.org/presentationml/2006/main">
   <p:cSld>
     <p:spTree>
@@ -35707,7 +35606,7 @@
 </p:sld>
 </file>
 
-<file path=ppt/slides/slide18.xml><?xml version="1.0" encoding="utf-8"?>
+<file path=ppt/slides/slide17.xml><?xml version="1.0" encoding="utf-8"?>
 <p:sld xmlns:a="http://schemas.openxmlformats.org/drawingml/2006/main" xmlns:r="http://schemas.openxmlformats.org/officeDocument/2006/relationships" xmlns:p="http://schemas.openxmlformats.org/presentationml/2006/main">
   <p:cSld>
     <p:spTree>
@@ -35821,7 +35720,7 @@
 </p:sld>
 </file>
 
-<file path=ppt/slides/slide19.xml><?xml version="1.0" encoding="utf-8"?>
+<file path=ppt/slides/slide18.xml><?xml version="1.0" encoding="utf-8"?>
 <p:sld xmlns:a="http://schemas.openxmlformats.org/drawingml/2006/main" xmlns:r="http://schemas.openxmlformats.org/officeDocument/2006/relationships" xmlns:p="http://schemas.openxmlformats.org/presentationml/2006/main">
   <p:cSld>
     <p:spTree>
@@ -35915,6 +35814,153 @@
               <a:buNone/>
             </a:pPr>
             <a:endParaRPr dirty="0"/>
+          </a:p>
+        </p:txBody>
+      </p:sp>
+    </p:spTree>
+  </p:cSld>
+  <p:clrMapOvr>
+    <a:masterClrMapping/>
+  </p:clrMapOvr>
+</p:sld>
+</file>
+
+<file path=ppt/slides/slide19.xml><?xml version="1.0" encoding="utf-8"?>
+<p:sld xmlns:a="http://schemas.openxmlformats.org/drawingml/2006/main" xmlns:r="http://schemas.openxmlformats.org/officeDocument/2006/relationships" xmlns:p="http://schemas.openxmlformats.org/presentationml/2006/main">
+  <p:cSld>
+    <p:spTree>
+      <p:nvGrpSpPr>
+        <p:cNvPr id="1" name="Shape 255"/>
+        <p:cNvGrpSpPr/>
+        <p:nvPr/>
+      </p:nvGrpSpPr>
+      <p:grpSpPr>
+        <a:xfrm>
+          <a:off x="0" y="0"/>
+          <a:ext cx="0" cy="0"/>
+          <a:chOff x="0" y="0"/>
+          <a:chExt cx="0" cy="0"/>
+        </a:xfrm>
+      </p:grpSpPr>
+      <p:sp>
+        <p:nvSpPr>
+          <p:cNvPr id="256" name="Google Shape;256;p53"/>
+          <p:cNvSpPr txBox="1">
+            <a:spLocks noGrp="1"/>
+          </p:cNvSpPr>
+          <p:nvPr>
+            <p:ph type="title"/>
+          </p:nvPr>
+        </p:nvSpPr>
+        <p:spPr>
+          <a:xfrm>
+            <a:off x="728663" y="1884363"/>
+            <a:ext cx="9212400" cy="3143100"/>
+          </a:xfrm>
+          <a:prstGeom prst="rect">
+            <a:avLst/>
+          </a:prstGeom>
+        </p:spPr>
+        <p:txBody>
+          <a:bodyPr spcFirstLastPara="1" wrap="square" lIns="91425" tIns="91425" rIns="91425" bIns="91425" anchor="b" anchorCtr="0">
+            <a:noAutofit/>
+          </a:bodyPr>
+          <a:lstStyle/>
+          <a:p>
+            <a:pPr marL="0" lvl="0" indent="0" algn="ctr" rtl="0">
+              <a:spcBef>
+                <a:spcPts val="0"/>
+              </a:spcBef>
+              <a:spcAft>
+                <a:spcPts val="0"/>
+              </a:spcAft>
+              <a:buNone/>
+            </a:pPr>
+            <a:r>
+              <a:rPr lang="en-US"/>
+              <a:t>Thank You for Your Attention!</a:t>
+            </a:r>
+            <a:endParaRPr/>
+          </a:p>
+        </p:txBody>
+      </p:sp>
+      <p:sp>
+        <p:nvSpPr>
+          <p:cNvPr id="257" name="Google Shape;257;p53"/>
+          <p:cNvSpPr txBox="1">
+            <a:spLocks noGrp="1"/>
+          </p:cNvSpPr>
+          <p:nvPr>
+            <p:ph type="body" idx="1"/>
+          </p:nvPr>
+        </p:nvSpPr>
+        <p:spPr>
+          <a:xfrm>
+            <a:off x="728663" y="5056188"/>
+            <a:ext cx="9212400" cy="1654200"/>
+          </a:xfrm>
+          <a:prstGeom prst="rect">
+            <a:avLst/>
+          </a:prstGeom>
+        </p:spPr>
+        <p:txBody>
+          <a:bodyPr spcFirstLastPara="1" wrap="square" lIns="91425" tIns="91425" rIns="91425" bIns="91425" anchor="t" anchorCtr="0">
+            <a:noAutofit/>
+          </a:bodyPr>
+          <a:lstStyle/>
+          <a:p>
+            <a:pPr marL="0" lvl="0" indent="0" algn="l" rtl="0">
+              <a:spcBef>
+                <a:spcPts val="800"/>
+              </a:spcBef>
+              <a:spcAft>
+                <a:spcPts val="0"/>
+              </a:spcAft>
+              <a:buNone/>
+            </a:pPr>
+            <a:endParaRPr/>
+          </a:p>
+        </p:txBody>
+      </p:sp>
+      <p:sp>
+        <p:nvSpPr>
+          <p:cNvPr id="258" name="Google Shape;258;p53"/>
+          <p:cNvSpPr txBox="1">
+            <a:spLocks noGrp="1"/>
+          </p:cNvSpPr>
+          <p:nvPr>
+            <p:ph type="sldNum" idx="12"/>
+          </p:nvPr>
+        </p:nvSpPr>
+        <p:spPr>
+          <a:xfrm>
+            <a:off x="9542463" y="6891338"/>
+            <a:ext cx="344400" cy="325500"/>
+          </a:xfrm>
+          <a:prstGeom prst="rect">
+            <a:avLst/>
+          </a:prstGeom>
+        </p:spPr>
+        <p:txBody>
+          <a:bodyPr spcFirstLastPara="1" wrap="square" lIns="52125" tIns="52125" rIns="52125" bIns="52125" anchor="t" anchorCtr="0">
+            <a:noAutofit/>
+          </a:bodyPr>
+          <a:lstStyle/>
+          <a:p>
+            <a:pPr marL="0" lvl="0" indent="0" algn="r" rtl="0">
+              <a:spcBef>
+                <a:spcPts val="0"/>
+              </a:spcBef>
+              <a:spcAft>
+                <a:spcPts val="0"/>
+              </a:spcAft>
+              <a:buNone/>
+            </a:pPr>
+            <a:fld id="{00000000-1234-1234-1234-123412341234}" type="slidenum">
+              <a:rPr lang="en-US"/>
+              <a:t>19</a:t>
+            </a:fld>
+            <a:endParaRPr/>
           </a:p>
         </p:txBody>
       </p:sp>
@@ -36032,11 +36078,11 @@
 </file>
 
 <file path=ppt/slides/slide20.xml><?xml version="1.0" encoding="utf-8"?>
-<p:sld xmlns:a="http://schemas.openxmlformats.org/drawingml/2006/main" xmlns:r="http://schemas.openxmlformats.org/officeDocument/2006/relationships" xmlns:p="http://schemas.openxmlformats.org/presentationml/2006/main">
+<p:sld xmlns:a="http://schemas.openxmlformats.org/drawingml/2006/main" xmlns:r="http://schemas.openxmlformats.org/officeDocument/2006/relationships" xmlns:p="http://schemas.openxmlformats.org/presentationml/2006/main" show="0">
   <p:cSld>
     <p:spTree>
       <p:nvGrpSpPr>
-        <p:cNvPr id="1" name="Shape 255"/>
+        <p:cNvPr id="1" name="Shape 208"/>
         <p:cNvGrpSpPr/>
         <p:nvPr/>
       </p:nvGrpSpPr>
@@ -36050,7 +36096,7 @@
       </p:grpSpPr>
       <p:sp>
         <p:nvSpPr>
-          <p:cNvPr id="256" name="Google Shape;256;p53"/>
+          <p:cNvPr id="209" name="Google Shape;209;p45"/>
           <p:cNvSpPr txBox="1">
             <a:spLocks noGrp="1"/>
           </p:cNvSpPr>
@@ -36060,15 +36106,15 @@
         </p:nvSpPr>
         <p:spPr>
           <a:xfrm>
-            <a:off x="728663" y="1884363"/>
-            <a:ext cx="9212400" cy="3143100"/>
+            <a:off x="801687" y="671512"/>
+            <a:ext cx="9085200" cy="1260600"/>
           </a:xfrm>
           <a:prstGeom prst="rect">
             <a:avLst/>
           </a:prstGeom>
         </p:spPr>
         <p:txBody>
-          <a:bodyPr spcFirstLastPara="1" wrap="square" lIns="91425" tIns="91425" rIns="91425" bIns="91425" anchor="b" anchorCtr="0">
+          <a:bodyPr spcFirstLastPara="1" wrap="square" lIns="52125" tIns="52125" rIns="52125" bIns="52125" anchor="ctr" anchorCtr="0">
             <a:noAutofit/>
           </a:bodyPr>
           <a:lstStyle/>
@@ -36084,7 +36130,14 @@
             </a:pPr>
             <a:r>
               <a:rPr lang="en-US"/>
-              <a:t>Thank You for Your Attention!</a:t>
+              <a:t>Announcements</a:t>
+            </a:r>
+            <a:br>
+              <a:rPr lang="en-US"/>
+            </a:br>
+            <a:r>
+              <a:rPr lang="en-US"/>
+              <a:t>and Consultations Rules</a:t>
             </a:r>
             <a:endParaRPr/>
           </a:p>
@@ -36092,7 +36145,7 @@
       </p:sp>
       <p:sp>
         <p:nvSpPr>
-          <p:cNvPr id="257" name="Google Shape;257;p53"/>
+          <p:cNvPr id="210" name="Google Shape;210;p45"/>
           <p:cNvSpPr txBox="1">
             <a:spLocks noGrp="1"/>
           </p:cNvSpPr>
@@ -36102,46 +36155,8 @@
         </p:nvSpPr>
         <p:spPr>
           <a:xfrm>
-            <a:off x="728663" y="5056188"/>
-            <a:ext cx="9212400" cy="1654200"/>
-          </a:xfrm>
-          <a:prstGeom prst="rect">
-            <a:avLst/>
-          </a:prstGeom>
-        </p:spPr>
-        <p:txBody>
-          <a:bodyPr spcFirstLastPara="1" wrap="square" lIns="91425" tIns="91425" rIns="91425" bIns="91425" anchor="t" anchorCtr="0">
-            <a:noAutofit/>
-          </a:bodyPr>
-          <a:lstStyle/>
-          <a:p>
-            <a:pPr marL="0" lvl="0" indent="0" algn="l" rtl="0">
-              <a:spcBef>
-                <a:spcPts val="800"/>
-              </a:spcBef>
-              <a:spcAft>
-                <a:spcPts val="0"/>
-              </a:spcAft>
-              <a:buNone/>
-            </a:pPr>
-            <a:endParaRPr/>
-          </a:p>
-        </p:txBody>
-      </p:sp>
-      <p:sp>
-        <p:nvSpPr>
-          <p:cNvPr id="258" name="Google Shape;258;p53"/>
-          <p:cNvSpPr txBox="1">
-            <a:spLocks noGrp="1"/>
-          </p:cNvSpPr>
-          <p:nvPr>
-            <p:ph type="sldNum" idx="12"/>
-          </p:nvPr>
-        </p:nvSpPr>
-        <p:spPr>
-          <a:xfrm>
-            <a:off x="9542463" y="6891338"/>
-            <a:ext cx="344400" cy="325500"/>
+            <a:off x="801687" y="2184400"/>
+            <a:ext cx="9085200" cy="4538700"/>
           </a:xfrm>
           <a:prstGeom prst="rect">
             <a:avLst/>
@@ -36153,20 +36168,181 @@
           </a:bodyPr>
           <a:lstStyle/>
           <a:p>
-            <a:pPr marL="0" lvl="0" indent="0" algn="r" rtl="0">
-              <a:spcBef>
-                <a:spcPts val="0"/>
-              </a:spcBef>
-              <a:spcAft>
-                <a:spcPts val="0"/>
-              </a:spcAft>
-              <a:buNone/>
+            <a:pPr lvl="0">
+              <a:spcBef>
+                <a:spcPts val="0"/>
+              </a:spcBef>
+              <a:buClr>
+                <a:schemeClr val="dk1"/>
+              </a:buClr>
             </a:pPr>
-            <a:fld id="{00000000-1234-1234-1234-123412341234}" type="slidenum">
-              <a:rPr lang="en-US"/>
-              <a:t>20</a:t>
-            </a:fld>
-            <a:endParaRPr/>
+            <a:r>
+              <a:rPr lang="en-US" sz="3200" dirty="0">
+                <a:solidFill>
+                  <a:schemeClr val="dk1"/>
+                </a:solidFill>
+              </a:rPr>
+              <a:t>Microsoft Teams (use the code: </a:t>
+            </a:r>
+            <a:r>
+              <a:rPr lang="en-US" sz="3200" b="1" dirty="0" err="1">
+                <a:solidFill>
+                  <a:schemeClr val="dk1"/>
+                </a:solidFill>
+              </a:rPr>
+              <a:t>txyjeye</a:t>
+            </a:r>
+            <a:r>
+              <a:rPr lang="en-US" sz="3200" dirty="0">
+                <a:solidFill>
+                  <a:schemeClr val="dk1"/>
+                </a:solidFill>
+              </a:rPr>
+              <a:t>)</a:t>
+            </a:r>
+            <a:endParaRPr sz="3200" dirty="0">
+              <a:solidFill>
+                <a:schemeClr val="dk1"/>
+              </a:solidFill>
+            </a:endParaRPr>
+          </a:p>
+          <a:p>
+            <a:pPr marL="457200" lvl="0" indent="-457200" algn="l" rtl="0">
+              <a:spcBef>
+                <a:spcPts val="0"/>
+              </a:spcBef>
+              <a:spcAft>
+                <a:spcPts val="0"/>
+              </a:spcAft>
+              <a:buSzPts val="3600"/>
+              <a:buChar char="»"/>
+            </a:pPr>
+            <a:r>
+              <a:rPr lang="en-US" sz="3200" dirty="0"/>
+              <a:t>Using channels:</a:t>
+            </a:r>
+            <a:endParaRPr sz="3200" dirty="0"/>
+          </a:p>
+          <a:p>
+            <a:pPr marL="914400" lvl="1" indent="-457200" algn="l" rtl="0">
+              <a:spcBef>
+                <a:spcPts val="0"/>
+              </a:spcBef>
+              <a:spcAft>
+                <a:spcPts val="0"/>
+              </a:spcAft>
+              <a:buSzPts val="3600"/>
+              <a:buChar char="–"/>
+            </a:pPr>
+            <a:r>
+              <a:rPr lang="en-US" sz="3200" dirty="0"/>
+              <a:t>General - general topics</a:t>
+            </a:r>
+            <a:endParaRPr sz="3200" dirty="0"/>
+          </a:p>
+          <a:p>
+            <a:pPr marL="914400" lvl="1" indent="-457200" algn="l" rtl="0">
+              <a:spcBef>
+                <a:spcPts val="0"/>
+              </a:spcBef>
+              <a:spcAft>
+                <a:spcPts val="0"/>
+              </a:spcAft>
+              <a:buSzPts val="3600"/>
+              <a:buChar char="–"/>
+            </a:pPr>
+            <a:r>
+              <a:rPr lang="en-US" sz="3200" dirty="0"/>
+              <a:t>Random - chit-chats, jokes, etc.</a:t>
+            </a:r>
+            <a:endParaRPr sz="3200" dirty="0"/>
+          </a:p>
+          <a:p>
+            <a:pPr marL="914400" lvl="1" indent="-457200" algn="l" rtl="0">
+              <a:spcBef>
+                <a:spcPts val="0"/>
+              </a:spcBef>
+              <a:spcAft>
+                <a:spcPts val="0"/>
+              </a:spcAft>
+              <a:buSzPts val="3600"/>
+              <a:buChar char="–"/>
+            </a:pPr>
+            <a:r>
+              <a:rPr lang="en-US" sz="3200" dirty="0"/>
+              <a:t>Course-year</a:t>
+            </a:r>
+            <a:r>
+              <a:rPr lang="pl-PL" sz="3200" dirty="0"/>
+              <a:t> (</a:t>
+            </a:r>
+            <a:r>
+              <a:rPr lang="pl-PL" sz="3200" dirty="0" err="1"/>
+              <a:t>e.g</a:t>
+            </a:r>
+            <a:r>
+              <a:rPr lang="pl-PL" sz="3200" dirty="0"/>
+              <a:t>., </a:t>
+            </a:r>
+            <a:r>
+              <a:rPr lang="pl-PL" sz="3200" i="1" dirty="0"/>
+              <a:t>MIPaC-2021</a:t>
+            </a:r>
+            <a:r>
+              <a:rPr lang="pl-PL" sz="3200" dirty="0"/>
+              <a:t>)</a:t>
+            </a:r>
+            <a:r>
+              <a:rPr lang="en-US" sz="3200" dirty="0"/>
+              <a:t> – course</a:t>
+            </a:r>
+            <a:r>
+              <a:rPr lang="pl-PL" sz="3200" dirty="0"/>
+              <a:t> </a:t>
+            </a:r>
+            <a:r>
+              <a:rPr lang="pl-PL" sz="3200" dirty="0" err="1"/>
+              <a:t>related</a:t>
+            </a:r>
+            <a:r>
+              <a:rPr lang="en-US" sz="3200" dirty="0"/>
+              <a:t> matters</a:t>
+            </a:r>
+            <a:endParaRPr sz="3200" dirty="0"/>
+          </a:p>
+          <a:p>
+            <a:pPr marL="457200" lvl="0" indent="-457200" algn="l" rtl="0">
+              <a:spcBef>
+                <a:spcPts val="0"/>
+              </a:spcBef>
+              <a:spcAft>
+                <a:spcPts val="0"/>
+              </a:spcAft>
+              <a:buSzPts val="3600"/>
+              <a:buChar char="»"/>
+            </a:pPr>
+            <a:r>
+              <a:rPr lang="en-US" sz="3200" dirty="0"/>
+              <a:t>Avoid direct messages in problem-solving - share the knowledge</a:t>
+            </a:r>
+            <a:endParaRPr sz="3200" dirty="0"/>
+          </a:p>
+          <a:p>
+            <a:pPr marL="457200" lvl="0" indent="-457200" algn="l" rtl="0">
+              <a:spcBef>
+                <a:spcPts val="0"/>
+              </a:spcBef>
+              <a:spcAft>
+                <a:spcPts val="0"/>
+              </a:spcAft>
+              <a:buSzPts val="3600"/>
+              <a:buChar char="»"/>
+            </a:pPr>
+            <a:r>
+              <a:rPr lang="en-US" sz="3200" dirty="0"/>
+              <a:t>Use [Issue Titles] and threads</a:t>
+            </a:r>
+            <a:endParaRPr sz="3200" dirty="0"/>
           </a:p>
         </p:txBody>
       </p:sp>
@@ -36276,14 +36452,14 @@
               <a:buChar char="»"/>
             </a:pPr>
             <a:r>
-              <a:rPr lang="en-US">
+              <a:rPr lang="en-US" dirty="0">
                 <a:solidFill>
                   <a:schemeClr val="dk1"/>
                 </a:solidFill>
               </a:rPr>
               <a:t>The course consists of:</a:t>
             </a:r>
-            <a:endParaRPr>
+            <a:endParaRPr dirty="0">
               <a:solidFill>
                 <a:schemeClr val="dk1"/>
               </a:solidFill>
@@ -36304,14 +36480,14 @@
               <a:buChar char="–"/>
             </a:pPr>
             <a:r>
-              <a:rPr lang="en-US">
+              <a:rPr lang="en-US" dirty="0">
                 <a:solidFill>
                   <a:schemeClr val="dk1"/>
                 </a:solidFill>
               </a:rPr>
               <a:t>Computer exercises on multimedia (mainly image and video) data processing and transmission</a:t>
             </a:r>
-            <a:endParaRPr>
+            <a:endParaRPr dirty="0">
               <a:solidFill>
                 <a:schemeClr val="dk1"/>
               </a:solidFill>
@@ -36332,14 +36508,14 @@
               <a:buChar char="–"/>
             </a:pPr>
             <a:r>
-              <a:rPr lang="en-US">
+              <a:rPr lang="en-US" dirty="0">
                 <a:solidFill>
                   <a:schemeClr val="dk1"/>
                 </a:solidFill>
               </a:rPr>
               <a:t>Micro-project (MIPaC only)</a:t>
             </a:r>
-            <a:endParaRPr>
+            <a:endParaRPr dirty="0">
               <a:solidFill>
                 <a:schemeClr val="dk1"/>
               </a:solidFill>
@@ -36357,10 +36533,10 @@
               <a:buChar char="»"/>
             </a:pPr>
             <a:r>
-              <a:rPr lang="en-US"/>
+              <a:rPr lang="en-US" dirty="0"/>
               <a:t>Classes will be held at computers</a:t>
             </a:r>
-            <a:endParaRPr/>
+            <a:endParaRPr dirty="0"/>
           </a:p>
         </p:txBody>
       </p:sp>
@@ -36962,12 +37138,8 @@
               <a:buChar char="–"/>
             </a:pPr>
             <a:r>
-              <a:rPr lang="en-US" sz="3000" dirty="0" err="1"/>
-              <a:t>MIPaC</a:t>
-            </a:r>
-            <a:r>
               <a:rPr lang="en-US" sz="3000" dirty="0"/>
-              <a:t>: </a:t>
+              <a:t>MIPaC: </a:t>
             </a:r>
             <a:r>
               <a:rPr lang="en-US" sz="3000" b="1" dirty="0">
@@ -37235,20 +37407,12 @@
               <a:buChar char="–"/>
             </a:pPr>
             <a:r>
-              <a:rPr lang="en-US" sz="3000" dirty="0" err="1">
+              <a:rPr lang="en-US" sz="3000" dirty="0">
                 <a:solidFill>
                   <a:schemeClr val="dk1"/>
                 </a:solidFill>
               </a:rPr>
-              <a:t>MIPaC</a:t>
-            </a:r>
-            <a:r>
-              <a:rPr lang="en-US" sz="3000" dirty="0">
-                <a:solidFill>
-                  <a:schemeClr val="dk1"/>
-                </a:solidFill>
-              </a:rPr>
-              <a:t>: </a:t>
+              <a:t>MIPaC: </a:t>
             </a:r>
             <a:r>
               <a:rPr lang="en-US" sz="3000" b="1" dirty="0">
@@ -37356,20 +37520,12 @@
               <a:buChar char="–"/>
             </a:pPr>
             <a:r>
-              <a:rPr lang="en-US" sz="3000" dirty="0" err="1">
+              <a:rPr lang="en-US" sz="3000" dirty="0">
                 <a:solidFill>
                   <a:schemeClr val="dk1"/>
                 </a:solidFill>
               </a:rPr>
-              <a:t>MIPaC</a:t>
-            </a:r>
-            <a:r>
-              <a:rPr lang="en-US" sz="3000" dirty="0">
-                <a:solidFill>
-                  <a:schemeClr val="dk1"/>
-                </a:solidFill>
-              </a:rPr>
-              <a:t>: </a:t>
+              <a:t>MIPaC: </a:t>
             </a:r>
             <a:r>
               <a:rPr lang="en-US" sz="3000" b="1" dirty="0">
@@ -37452,11 +37608,11 @@
 </file>
 
 <file path=ppt/slides/slide9.xml><?xml version="1.0" encoding="utf-8"?>
-<p:sld xmlns:a="http://schemas.openxmlformats.org/drawingml/2006/main" xmlns:r="http://schemas.openxmlformats.org/officeDocument/2006/relationships" xmlns:p="http://schemas.openxmlformats.org/presentationml/2006/main" show="0">
+<p:sld xmlns:a="http://schemas.openxmlformats.org/drawingml/2006/main" xmlns:r="http://schemas.openxmlformats.org/officeDocument/2006/relationships" xmlns:p="http://schemas.openxmlformats.org/presentationml/2006/main">
   <p:cSld>
     <p:spTree>
       <p:nvGrpSpPr>
-        <p:cNvPr id="1" name="Shape 208"/>
+        <p:cNvPr id="1" name="Shape 214"/>
         <p:cNvGrpSpPr/>
         <p:nvPr/>
       </p:nvGrpSpPr>
@@ -37470,7 +37626,7 @@
       </p:grpSpPr>
       <p:sp>
         <p:nvSpPr>
-          <p:cNvPr id="209" name="Google Shape;209;p45"/>
+          <p:cNvPr id="215" name="Google Shape;215;p46"/>
           <p:cNvSpPr txBox="1">
             <a:spLocks noGrp="1"/>
           </p:cNvSpPr>
@@ -37480,15 +37636,15 @@
         </p:nvSpPr>
         <p:spPr>
           <a:xfrm>
-            <a:off x="801687" y="671512"/>
-            <a:ext cx="9085200" cy="1260600"/>
+            <a:off x="728663" y="1884363"/>
+            <a:ext cx="9212400" cy="3143100"/>
           </a:xfrm>
           <a:prstGeom prst="rect">
             <a:avLst/>
           </a:prstGeom>
         </p:spPr>
         <p:txBody>
-          <a:bodyPr spcFirstLastPara="1" wrap="square" lIns="52125" tIns="52125" rIns="52125" bIns="52125" anchor="ctr" anchorCtr="0">
+          <a:bodyPr spcFirstLastPara="1" wrap="square" lIns="52125" tIns="52125" rIns="52125" bIns="52125" anchor="b" anchorCtr="0">
             <a:noAutofit/>
           </a:bodyPr>
           <a:lstStyle/>
@@ -37503,23 +37659,16 @@
               <a:buNone/>
             </a:pPr>
             <a:r>
-              <a:rPr lang="en-US"/>
-              <a:t>Announcements</a:t>
+              <a:rPr lang="en-US" dirty="0"/>
+              <a:t>Method of Calculating the Final Grade</a:t>
             </a:r>
-            <a:br>
-              <a:rPr lang="en-US"/>
-            </a:br>
-            <a:r>
-              <a:rPr lang="en-US"/>
-              <a:t>and Consultations Rules</a:t>
-            </a:r>
-            <a:endParaRPr/>
+            <a:endParaRPr dirty="0"/>
           </a:p>
         </p:txBody>
       </p:sp>
       <p:sp>
         <p:nvSpPr>
-          <p:cNvPr id="210" name="Google Shape;210;p45"/>
+          <p:cNvPr id="216" name="Google Shape;216;p46"/>
           <p:cNvSpPr txBox="1">
             <a:spLocks noGrp="1"/>
           </p:cNvSpPr>
@@ -37529,8 +37678,8 @@
         </p:nvSpPr>
         <p:spPr>
           <a:xfrm>
-            <a:off x="801687" y="2184400"/>
-            <a:ext cx="9085200" cy="4538700"/>
+            <a:off x="728663" y="5056188"/>
+            <a:ext cx="9212400" cy="1654200"/>
           </a:xfrm>
           <a:prstGeom prst="rect">
             <a:avLst/>
@@ -37542,181 +37691,16 @@
           </a:bodyPr>
           <a:lstStyle/>
           <a:p>
-            <a:pPr lvl="0">
-              <a:spcBef>
-                <a:spcPts val="0"/>
-              </a:spcBef>
-              <a:buClr>
-                <a:schemeClr val="dk1"/>
-              </a:buClr>
+            <a:pPr marL="0" lvl="0" indent="0" algn="l" rtl="0">
+              <a:spcBef>
+                <a:spcPts val="800"/>
+              </a:spcBef>
+              <a:spcAft>
+                <a:spcPts val="0"/>
+              </a:spcAft>
+              <a:buNone/>
             </a:pPr>
-            <a:r>
-              <a:rPr lang="en-US" sz="3200" dirty="0">
-                <a:solidFill>
-                  <a:schemeClr val="dk1"/>
-                </a:solidFill>
-              </a:rPr>
-              <a:t>Microsoft Teams (use the code: </a:t>
-            </a:r>
-            <a:r>
-              <a:rPr lang="en-US" sz="3200" b="1" dirty="0" err="1">
-                <a:solidFill>
-                  <a:schemeClr val="dk1"/>
-                </a:solidFill>
-              </a:rPr>
-              <a:t>txyjeye</a:t>
-            </a:r>
-            <a:r>
-              <a:rPr lang="en-US" sz="3200" dirty="0">
-                <a:solidFill>
-                  <a:schemeClr val="dk1"/>
-                </a:solidFill>
-              </a:rPr>
-              <a:t>)</a:t>
-            </a:r>
-            <a:endParaRPr sz="3200" dirty="0">
-              <a:solidFill>
-                <a:schemeClr val="dk1"/>
-              </a:solidFill>
-            </a:endParaRPr>
-          </a:p>
-          <a:p>
-            <a:pPr marL="457200" lvl="0" indent="-457200" algn="l" rtl="0">
-              <a:spcBef>
-                <a:spcPts val="0"/>
-              </a:spcBef>
-              <a:spcAft>
-                <a:spcPts val="0"/>
-              </a:spcAft>
-              <a:buSzPts val="3600"/>
-              <a:buChar char="»"/>
-            </a:pPr>
-            <a:r>
-              <a:rPr lang="en-US" sz="3200" dirty="0"/>
-              <a:t>Using channels:</a:t>
-            </a:r>
-            <a:endParaRPr sz="3200" dirty="0"/>
-          </a:p>
-          <a:p>
-            <a:pPr marL="914400" lvl="1" indent="-457200" algn="l" rtl="0">
-              <a:spcBef>
-                <a:spcPts val="0"/>
-              </a:spcBef>
-              <a:spcAft>
-                <a:spcPts val="0"/>
-              </a:spcAft>
-              <a:buSzPts val="3600"/>
-              <a:buChar char="–"/>
-            </a:pPr>
-            <a:r>
-              <a:rPr lang="en-US" sz="3200" dirty="0"/>
-              <a:t>General - general topics</a:t>
-            </a:r>
-            <a:endParaRPr sz="3200" dirty="0"/>
-          </a:p>
-          <a:p>
-            <a:pPr marL="914400" lvl="1" indent="-457200" algn="l" rtl="0">
-              <a:spcBef>
-                <a:spcPts val="0"/>
-              </a:spcBef>
-              <a:spcAft>
-                <a:spcPts val="0"/>
-              </a:spcAft>
-              <a:buSzPts val="3600"/>
-              <a:buChar char="–"/>
-            </a:pPr>
-            <a:r>
-              <a:rPr lang="en-US" sz="3200" dirty="0"/>
-              <a:t>Random - chit-chats, jokes, etc.</a:t>
-            </a:r>
-            <a:endParaRPr sz="3200" dirty="0"/>
-          </a:p>
-          <a:p>
-            <a:pPr marL="914400" lvl="1" indent="-457200" algn="l" rtl="0">
-              <a:spcBef>
-                <a:spcPts val="0"/>
-              </a:spcBef>
-              <a:spcAft>
-                <a:spcPts val="0"/>
-              </a:spcAft>
-              <a:buSzPts val="3600"/>
-              <a:buChar char="–"/>
-            </a:pPr>
-            <a:r>
-              <a:rPr lang="en-US" sz="3200" dirty="0"/>
-              <a:t>Course-year</a:t>
-            </a:r>
-            <a:r>
-              <a:rPr lang="pl-PL" sz="3200" dirty="0"/>
-              <a:t> (</a:t>
-            </a:r>
-            <a:r>
-              <a:rPr lang="pl-PL" sz="3200" dirty="0" err="1"/>
-              <a:t>e.g</a:t>
-            </a:r>
-            <a:r>
-              <a:rPr lang="pl-PL" sz="3200" dirty="0"/>
-              <a:t>., </a:t>
-            </a:r>
-            <a:r>
-              <a:rPr lang="pl-PL" sz="3200" i="1" dirty="0"/>
-              <a:t>MIPaC-2021</a:t>
-            </a:r>
-            <a:r>
-              <a:rPr lang="pl-PL" sz="3200" dirty="0"/>
-              <a:t>)</a:t>
-            </a:r>
-            <a:r>
-              <a:rPr lang="en-US" sz="3200" dirty="0"/>
-              <a:t> – course</a:t>
-            </a:r>
-            <a:r>
-              <a:rPr lang="pl-PL" sz="3200" dirty="0"/>
-              <a:t> </a:t>
-            </a:r>
-            <a:r>
-              <a:rPr lang="pl-PL" sz="3200" dirty="0" err="1"/>
-              <a:t>related</a:t>
-            </a:r>
-            <a:r>
-              <a:rPr lang="en-US" sz="3200" dirty="0"/>
-              <a:t> matters</a:t>
-            </a:r>
-            <a:endParaRPr sz="3200" dirty="0"/>
-          </a:p>
-          <a:p>
-            <a:pPr marL="457200" lvl="0" indent="-457200" algn="l" rtl="0">
-              <a:spcBef>
-                <a:spcPts val="0"/>
-              </a:spcBef>
-              <a:spcAft>
-                <a:spcPts val="0"/>
-              </a:spcAft>
-              <a:buSzPts val="3600"/>
-              <a:buChar char="»"/>
-            </a:pPr>
-            <a:r>
-              <a:rPr lang="en-US" sz="3200" dirty="0"/>
-              <a:t>Avoid direct messages in problem-solving - share the knowledge</a:t>
-            </a:r>
-            <a:endParaRPr sz="3200" dirty="0"/>
-          </a:p>
-          <a:p>
-            <a:pPr marL="457200" lvl="0" indent="-457200" algn="l" rtl="0">
-              <a:spcBef>
-                <a:spcPts val="0"/>
-              </a:spcBef>
-              <a:spcAft>
-                <a:spcPts val="0"/>
-              </a:spcAft>
-              <a:buSzPts val="3600"/>
-              <a:buChar char="»"/>
-            </a:pPr>
-            <a:r>
-              <a:rPr lang="en-US" sz="3200" dirty="0"/>
-              <a:t>Use [Issue Titles] and threads</a:t>
-            </a:r>
-            <a:endParaRPr sz="3200" dirty="0"/>
+            <a:endParaRPr/>
           </a:p>
         </p:txBody>
       </p:sp>

--- a/(Advanced) Multimedia Information Processing and Communications/(A)MIPaC Introduction.pptx
+++ b/(Advanced) Multimedia Information Processing and Communications/(A)MIPaC Introduction.pptx
@@ -799,6 +799,21 @@
             </a:pPr>
             <a:r>
               <a:rPr lang="en-PL" dirty="0"/>
+              <a:t>Bez uwzględnienia correction quiz:</a:t>
+            </a:r>
+          </a:p>
+          <a:p>
+            <a:pPr marL="0" lvl="0" indent="0" algn="l" rtl="0">
+              <a:spcBef>
+                <a:spcPts val="0"/>
+              </a:spcBef>
+              <a:spcAft>
+                <a:spcPts val="0"/>
+              </a:spcAft>
+              <a:buNone/>
+            </a:pPr>
+            <a:r>
+              <a:rPr lang="en-PL" dirty="0"/>
               <a:t>3.0: 0,408163265306122</a:t>
             </a:r>
           </a:p>
@@ -858,10 +873,131 @@
               <a:buNone/>
             </a:pPr>
             <a:r>
-              <a:rPr lang="en-PL"/>
+              <a:rPr lang="en-PL" dirty="0"/>
               <a:t>5.0: 0,73469387755102</a:t>
             </a:r>
-            <a:endParaRPr/>
+          </a:p>
+          <a:p>
+            <a:pPr marL="0" lvl="0" indent="0" algn="l" rtl="0">
+              <a:spcBef>
+                <a:spcPts val="0"/>
+              </a:spcBef>
+              <a:spcAft>
+                <a:spcPts val="0"/>
+              </a:spcAft>
+              <a:buNone/>
+            </a:pPr>
+            <a:endParaRPr lang="en-PL" dirty="0"/>
+          </a:p>
+          <a:p>
+            <a:pPr marL="0" lvl="0" indent="0" algn="l" rtl="0">
+              <a:spcBef>
+                <a:spcPts val="0"/>
+              </a:spcBef>
+              <a:spcAft>
+                <a:spcPts val="0"/>
+              </a:spcAft>
+              <a:buNone/>
+            </a:pPr>
+            <a:r>
+              <a:rPr lang="en-GB" dirty="0"/>
+              <a:t>Z </a:t>
+            </a:r>
+            <a:r>
+              <a:rPr lang="en-GB" dirty="0" err="1"/>
+              <a:t>uwzględnieniem</a:t>
+            </a:r>
+            <a:r>
+              <a:rPr lang="en-GB" dirty="0"/>
+              <a:t> correction quiz:</a:t>
+            </a:r>
+          </a:p>
+          <a:p>
+            <a:pPr marL="0" lvl="0" indent="0" algn="l" rtl="0">
+              <a:spcBef>
+                <a:spcPts val="0"/>
+              </a:spcBef>
+              <a:spcAft>
+                <a:spcPts val="0"/>
+              </a:spcAft>
+              <a:buNone/>
+            </a:pPr>
+            <a:r>
+              <a:rPr lang="en-GB" dirty="0"/>
+              <a:t>3.0: 0,408163265306122*0,710144927536232=0,289855072463768</a:t>
+            </a:r>
+          </a:p>
+          <a:p>
+            <a:pPr marL="0" lvl="0" indent="0" algn="l" rtl="0">
+              <a:spcBef>
+                <a:spcPts val="0"/>
+              </a:spcBef>
+              <a:spcAft>
+                <a:spcPts val="0"/>
+              </a:spcAft>
+              <a:buNone/>
+            </a:pPr>
+            <a:r>
+              <a:rPr lang="en-GB" dirty="0"/>
+              <a:t>3.5: 0,489795918367347*0,710144927536232=0,347826086956522</a:t>
+            </a:r>
+          </a:p>
+          <a:p>
+            <a:pPr marL="0" lvl="0" indent="0" algn="l" rtl="0">
+              <a:spcBef>
+                <a:spcPts val="0"/>
+              </a:spcBef>
+              <a:spcAft>
+                <a:spcPts val="0"/>
+              </a:spcAft>
+              <a:buNone/>
+            </a:pPr>
+            <a:r>
+              <a:rPr lang="en-GB" dirty="0"/>
+              <a:t>4.0: 0,571428571428571*0,710144927536232=0,405797101449275</a:t>
+            </a:r>
+          </a:p>
+          <a:p>
+            <a:pPr marL="0" lvl="0" indent="0" algn="l" rtl="0">
+              <a:spcBef>
+                <a:spcPts val="0"/>
+              </a:spcBef>
+              <a:spcAft>
+                <a:spcPts val="0"/>
+              </a:spcAft>
+              <a:buNone/>
+            </a:pPr>
+            <a:r>
+              <a:rPr lang="en-GB" dirty="0"/>
+              <a:t>4.5: 0,653061224489796*0,710144927536232=0,463768115942029</a:t>
+            </a:r>
+          </a:p>
+          <a:p>
+            <a:pPr marL="0" lvl="0" indent="0" algn="l" rtl="0">
+              <a:spcBef>
+                <a:spcPts val="0"/>
+              </a:spcBef>
+              <a:spcAft>
+                <a:spcPts val="0"/>
+              </a:spcAft>
+              <a:buNone/>
+            </a:pPr>
+            <a:r>
+              <a:rPr lang="en-GB" dirty="0"/>
+              <a:t>5.0: 0,73469387755102*0,710144927536232=0,521739130434782</a:t>
+            </a:r>
+          </a:p>
+          <a:p>
+            <a:pPr marL="0" lvl="0" indent="0" algn="l" rtl="0">
+              <a:spcBef>
+                <a:spcPts val="0"/>
+              </a:spcBef>
+              <a:spcAft>
+                <a:spcPts val="0"/>
+              </a:spcAft>
+              <a:buNone/>
+            </a:pPr>
+            <a:endParaRPr dirty="0"/>
           </a:p>
         </p:txBody>
       </p:sp>
